--- a/Sessions/Error Handling in Mulesoft.pptx
+++ b/Sessions/Error Handling in Mulesoft.pptx
@@ -19,7 +19,10 @@
     <p:sldId id="267" r:id="rId13"/>
     <p:sldId id="268" r:id="rId14"/>
     <p:sldId id="270" r:id="rId15"/>
-    <p:sldId id="257" r:id="rId16"/>
+    <p:sldId id="271" r:id="rId16"/>
+    <p:sldId id="272" r:id="rId17"/>
+    <p:sldId id="273" r:id="rId18"/>
+    <p:sldId id="257" r:id="rId19"/>
   </p:sldIdLst>
   <p:sldSz cx="12192000" cy="6858000"/>
   <p:notesSz cx="6858000" cy="9144000"/>
@@ -10385,7 +10388,7 @@
           <a:p>
             <a:fld id="{7DE17750-30CD-4F75-9770-A23804BDEAD9}" type="datetimeFigureOut">
               <a:rPr lang="en-IN" smtClean="0"/>
-              <a:t>2020-02-04</a:t>
+              <a:t>2020-02-06</a:t>
             </a:fld>
             <a:endParaRPr lang="en-IN" dirty="0"/>
           </a:p>
@@ -10625,7 +10628,7 @@
           <a:p>
             <a:fld id="{7DE17750-30CD-4F75-9770-A23804BDEAD9}" type="datetimeFigureOut">
               <a:rPr lang="en-IN" smtClean="0"/>
-              <a:t>2020-02-04</a:t>
+              <a:t>2020-02-06</a:t>
             </a:fld>
             <a:endParaRPr lang="en-IN"/>
           </a:p>
@@ -10865,7 +10868,7 @@
           <a:p>
             <a:fld id="{7DE17750-30CD-4F75-9770-A23804BDEAD9}" type="datetimeFigureOut">
               <a:rPr lang="en-IN" smtClean="0"/>
-              <a:t>2020-02-04</a:t>
+              <a:t>2020-02-06</a:t>
             </a:fld>
             <a:endParaRPr lang="en-IN"/>
           </a:p>
@@ -11389,7 +11392,7 @@
           </a:ln>
           <a:extLst>
             <a:ext uri="{C572A759-6A51-4108-AA02-DFA0A04FC94B}">
-              <ma14:wrappingTextBoxFlag xmlns="" xmlns:m="http://schemas.openxmlformats.org/officeDocument/2006/math" xmlns:a14="http://schemas.microsoft.com/office/drawing/2010/main" xmlns:ma14="http://schemas.microsoft.com/office/mac/drawingml/2011/main" val="1"/>
+              <ma14:wrappingTextBoxFlag xmlns:ma14="http://schemas.microsoft.com/office/mac/drawingml/2011/main" xmlns:a14="http://schemas.microsoft.com/office/drawing/2010/main" xmlns:m="http://schemas.openxmlformats.org/officeDocument/2006/math" xmlns="" val="1"/>
             </a:ext>
           </a:extLst>
         </p:spPr>
@@ -11436,7 +11439,7 @@
           </a:ln>
           <a:extLst>
             <a:ext uri="{C572A759-6A51-4108-AA02-DFA0A04FC94B}">
-              <ma14:wrappingTextBoxFlag xmlns="" xmlns:m="http://schemas.openxmlformats.org/officeDocument/2006/math" xmlns:a14="http://schemas.microsoft.com/office/drawing/2010/main" xmlns:ma14="http://schemas.microsoft.com/office/mac/drawingml/2011/main" val="1"/>
+              <ma14:wrappingTextBoxFlag xmlns:ma14="http://schemas.microsoft.com/office/mac/drawingml/2011/main" xmlns:a14="http://schemas.microsoft.com/office/drawing/2010/main" xmlns:m="http://schemas.openxmlformats.org/officeDocument/2006/math" xmlns="" val="1"/>
             </a:ext>
           </a:extLst>
         </p:spPr>
@@ -11964,7 +11967,7 @@
           </a:ln>
           <a:extLst>
             <a:ext uri="{C572A759-6A51-4108-AA02-DFA0A04FC94B}">
-              <ma14:wrappingTextBoxFlag xmlns="" xmlns:m="http://schemas.openxmlformats.org/officeDocument/2006/math" xmlns:a14="http://schemas.microsoft.com/office/drawing/2010/main" xmlns:ma14="http://schemas.microsoft.com/office/mac/drawingml/2011/main" val="1"/>
+              <ma14:wrappingTextBoxFlag xmlns:ma14="http://schemas.microsoft.com/office/mac/drawingml/2011/main" xmlns:a14="http://schemas.microsoft.com/office/drawing/2010/main" xmlns:m="http://schemas.openxmlformats.org/officeDocument/2006/math" xmlns="" val="1"/>
             </a:ext>
           </a:extLst>
         </p:spPr>
@@ -12011,7 +12014,7 @@
           </a:ln>
           <a:extLst>
             <a:ext uri="{C572A759-6A51-4108-AA02-DFA0A04FC94B}">
-              <ma14:wrappingTextBoxFlag xmlns="" xmlns:m="http://schemas.openxmlformats.org/officeDocument/2006/math" xmlns:a14="http://schemas.microsoft.com/office/drawing/2010/main" xmlns:ma14="http://schemas.microsoft.com/office/mac/drawingml/2011/main" val="1"/>
+              <ma14:wrappingTextBoxFlag xmlns:ma14="http://schemas.microsoft.com/office/mac/drawingml/2011/main" xmlns:a14="http://schemas.microsoft.com/office/drawing/2010/main" xmlns:m="http://schemas.openxmlformats.org/officeDocument/2006/math" xmlns="" val="1"/>
             </a:ext>
           </a:extLst>
         </p:spPr>
@@ -12443,7 +12446,7 @@
           </a:ln>
           <a:extLst>
             <a:ext uri="{C572A759-6A51-4108-AA02-DFA0A04FC94B}">
-              <ma14:wrappingTextBoxFlag xmlns="" xmlns:m="http://schemas.openxmlformats.org/officeDocument/2006/math" xmlns:a14="http://schemas.microsoft.com/office/drawing/2010/main" xmlns:ma14="http://schemas.microsoft.com/office/mac/drawingml/2011/main" val="1"/>
+              <ma14:wrappingTextBoxFlag xmlns:ma14="http://schemas.microsoft.com/office/mac/drawingml/2011/main" xmlns:a14="http://schemas.microsoft.com/office/drawing/2010/main" xmlns:m="http://schemas.openxmlformats.org/officeDocument/2006/math" xmlns="" val="1"/>
             </a:ext>
           </a:extLst>
         </p:spPr>
@@ -12490,7 +12493,7 @@
           </a:ln>
           <a:extLst>
             <a:ext uri="{C572A759-6A51-4108-AA02-DFA0A04FC94B}">
-              <ma14:wrappingTextBoxFlag xmlns="" xmlns:m="http://schemas.openxmlformats.org/officeDocument/2006/math" xmlns:a14="http://schemas.microsoft.com/office/drawing/2010/main" xmlns:ma14="http://schemas.microsoft.com/office/mac/drawingml/2011/main" val="1"/>
+              <ma14:wrappingTextBoxFlag xmlns:ma14="http://schemas.microsoft.com/office/mac/drawingml/2011/main" xmlns:a14="http://schemas.microsoft.com/office/drawing/2010/main" xmlns:m="http://schemas.openxmlformats.org/officeDocument/2006/math" xmlns="" val="1"/>
             </a:ext>
           </a:extLst>
         </p:spPr>
@@ -13041,7 +13044,7 @@
           <a:p>
             <a:fld id="{7DE17750-30CD-4F75-9770-A23804BDEAD9}" type="datetimeFigureOut">
               <a:rPr lang="en-IN" smtClean="0"/>
-              <a:t>2020-02-04</a:t>
+              <a:t>2020-02-06</a:t>
             </a:fld>
             <a:endParaRPr lang="en-IN"/>
           </a:p>
@@ -13260,7 +13263,7 @@
           </a:ln>
           <a:extLst>
             <a:ext uri="{C572A759-6A51-4108-AA02-DFA0A04FC94B}">
-              <ma14:wrappingTextBoxFlag xmlns="" xmlns:m="http://schemas.openxmlformats.org/officeDocument/2006/math" xmlns:a14="http://schemas.microsoft.com/office/drawing/2010/main" xmlns:ma14="http://schemas.microsoft.com/office/mac/drawingml/2011/main" val="1"/>
+              <ma14:wrappingTextBoxFlag xmlns:ma14="http://schemas.microsoft.com/office/mac/drawingml/2011/main" xmlns:a14="http://schemas.microsoft.com/office/drawing/2010/main" xmlns:m="http://schemas.openxmlformats.org/officeDocument/2006/math" xmlns="" val="1"/>
             </a:ext>
           </a:extLst>
         </p:spPr>
@@ -13307,7 +13310,7 @@
           </a:ln>
           <a:extLst>
             <a:ext uri="{C572A759-6A51-4108-AA02-DFA0A04FC94B}">
-              <ma14:wrappingTextBoxFlag xmlns="" xmlns:m="http://schemas.openxmlformats.org/officeDocument/2006/math" xmlns:a14="http://schemas.microsoft.com/office/drawing/2010/main" xmlns:ma14="http://schemas.microsoft.com/office/mac/drawingml/2011/main" val="1"/>
+              <ma14:wrappingTextBoxFlag xmlns:ma14="http://schemas.microsoft.com/office/mac/drawingml/2011/main" xmlns:a14="http://schemas.microsoft.com/office/drawing/2010/main" xmlns:m="http://schemas.openxmlformats.org/officeDocument/2006/math" xmlns="" val="1"/>
             </a:ext>
           </a:extLst>
         </p:spPr>
@@ -13902,7 +13905,7 @@
           <a:p>
             <a:fld id="{7DE17750-30CD-4F75-9770-A23804BDEAD9}" type="datetimeFigureOut">
               <a:rPr lang="en-IN" smtClean="0"/>
-              <a:t>2020-02-04</a:t>
+              <a:t>2020-02-06</a:t>
             </a:fld>
             <a:endParaRPr lang="en-IN"/>
           </a:p>
@@ -14208,7 +14211,7 @@
           <a:p>
             <a:fld id="{7DE17750-30CD-4F75-9770-A23804BDEAD9}" type="datetimeFigureOut">
               <a:rPr lang="en-IN" smtClean="0"/>
-              <a:t>2020-02-04</a:t>
+              <a:t>2020-02-06</a:t>
             </a:fld>
             <a:endParaRPr lang="en-IN"/>
           </a:p>
@@ -14662,7 +14665,7 @@
           <a:p>
             <a:fld id="{7DE17750-30CD-4F75-9770-A23804BDEAD9}" type="datetimeFigureOut">
               <a:rPr lang="en-IN" smtClean="0"/>
-              <a:t>2020-02-04</a:t>
+              <a:t>2020-02-06</a:t>
             </a:fld>
             <a:endParaRPr lang="en-IN"/>
           </a:p>
@@ -14836,7 +14839,7 @@
           <a:p>
             <a:fld id="{7DE17750-30CD-4F75-9770-A23804BDEAD9}" type="datetimeFigureOut">
               <a:rPr lang="en-IN" smtClean="0"/>
-              <a:t>2020-02-04</a:t>
+              <a:t>2020-02-06</a:t>
             </a:fld>
             <a:endParaRPr lang="en-IN"/>
           </a:p>
@@ -14973,7 +14976,7 @@
           <a:p>
             <a:fld id="{7DE17750-30CD-4F75-9770-A23804BDEAD9}" type="datetimeFigureOut">
               <a:rPr lang="en-IN" smtClean="0"/>
-              <a:t>2020-02-04</a:t>
+              <a:t>2020-02-06</a:t>
             </a:fld>
             <a:endParaRPr lang="en-IN"/>
           </a:p>
@@ -15319,7 +15322,7 @@
           <a:p>
             <a:fld id="{7DE17750-30CD-4F75-9770-A23804BDEAD9}" type="datetimeFigureOut">
               <a:rPr lang="en-IN" smtClean="0"/>
-              <a:t>2020-02-04</a:t>
+              <a:t>2020-02-06</a:t>
             </a:fld>
             <a:endParaRPr lang="en-IN"/>
           </a:p>
@@ -15641,7 +15644,7 @@
           <a:p>
             <a:fld id="{7DE17750-30CD-4F75-9770-A23804BDEAD9}" type="datetimeFigureOut">
               <a:rPr lang="en-IN" smtClean="0"/>
-              <a:t>2020-02-04</a:t>
+              <a:t>2020-02-06</a:t>
             </a:fld>
             <a:endParaRPr lang="en-IN"/>
           </a:p>
@@ -16497,7 +16500,7 @@
           </a:ln>
           <a:extLst>
             <a:ext uri="{C572A759-6A51-4108-AA02-DFA0A04FC94B}">
-              <ma14:wrappingTextBoxFlag xmlns="" xmlns:m="http://schemas.openxmlformats.org/officeDocument/2006/math" xmlns:a14="http://schemas.microsoft.com/office/drawing/2010/main" xmlns:ma14="http://schemas.microsoft.com/office/mac/drawingml/2011/main" val="1"/>
+              <ma14:wrappingTextBoxFlag xmlns:ma14="http://schemas.microsoft.com/office/mac/drawingml/2011/main" xmlns:a14="http://schemas.microsoft.com/office/drawing/2010/main" xmlns:m="http://schemas.openxmlformats.org/officeDocument/2006/math" xmlns="" val="1"/>
             </a:ext>
           </a:extLst>
         </p:spPr>
@@ -16544,7 +16547,7 @@
           </a:ln>
           <a:extLst>
             <a:ext uri="{C572A759-6A51-4108-AA02-DFA0A04FC94B}">
-              <ma14:wrappingTextBoxFlag xmlns="" xmlns:m="http://schemas.openxmlformats.org/officeDocument/2006/math" xmlns:a14="http://schemas.microsoft.com/office/drawing/2010/main" xmlns:ma14="http://schemas.microsoft.com/office/mac/drawingml/2011/main" val="1"/>
+              <ma14:wrappingTextBoxFlag xmlns:ma14="http://schemas.microsoft.com/office/mac/drawingml/2011/main" xmlns:a14="http://schemas.microsoft.com/office/drawing/2010/main" xmlns:m="http://schemas.openxmlformats.org/officeDocument/2006/math" xmlns="" val="1"/>
             </a:ext>
           </a:extLst>
         </p:spPr>
@@ -16653,7 +16656,7 @@
           </a:ln>
           <a:extLst>
             <a:ext uri="{C572A759-6A51-4108-AA02-DFA0A04FC94B}">
-              <ma14:wrappingTextBoxFlag xmlns="" xmlns:m="http://schemas.openxmlformats.org/officeDocument/2006/math" xmlns:a14="http://schemas.microsoft.com/office/drawing/2010/main" xmlns:ma14="http://schemas.microsoft.com/office/mac/drawingml/2011/main" val="1"/>
+              <ma14:wrappingTextBoxFlag xmlns:ma14="http://schemas.microsoft.com/office/mac/drawingml/2011/main" xmlns:a14="http://schemas.microsoft.com/office/drawing/2010/main" xmlns:m="http://schemas.openxmlformats.org/officeDocument/2006/math" xmlns="" val="1"/>
             </a:ext>
           </a:extLst>
         </p:spPr>
@@ -16692,7 +16695,7 @@
           </a:ln>
           <a:extLst>
             <a:ext uri="{C572A759-6A51-4108-AA02-DFA0A04FC94B}">
-              <ma14:wrappingTextBoxFlag xmlns="" xmlns:m="http://schemas.openxmlformats.org/officeDocument/2006/math" xmlns:a14="http://schemas.microsoft.com/office/drawing/2010/main" xmlns:ma14="http://schemas.microsoft.com/office/mac/drawingml/2011/main" val="1"/>
+              <ma14:wrappingTextBoxFlag xmlns:ma14="http://schemas.microsoft.com/office/mac/drawingml/2011/main" xmlns:a14="http://schemas.microsoft.com/office/drawing/2010/main" xmlns:m="http://schemas.openxmlformats.org/officeDocument/2006/math" xmlns="" val="1"/>
             </a:ext>
           </a:extLst>
         </p:spPr>
@@ -19614,6 +19617,337 @@
 <file path=ppt/slides/slide14.xml><?xml version="1.0" encoding="utf-8"?>
 <p:sld xmlns:a="http://schemas.openxmlformats.org/drawingml/2006/main" xmlns:r="http://schemas.openxmlformats.org/officeDocument/2006/relationships" xmlns:p="http://schemas.openxmlformats.org/presentationml/2006/main">
   <p:cSld>
+    <p:bg>
+      <p:bgPr>
+        <a:solidFill>
+          <a:schemeClr val="bg1"/>
+        </a:solidFill>
+        <a:effectLst/>
+      </p:bgPr>
+    </p:bg>
+    <p:spTree>
+      <p:nvGrpSpPr>
+        <p:cNvPr id="1" name=""/>
+        <p:cNvGrpSpPr/>
+        <p:nvPr/>
+      </p:nvGrpSpPr>
+      <p:grpSpPr>
+        <a:xfrm>
+          <a:off x="0" y="0"/>
+          <a:ext cx="0" cy="0"/>
+          <a:chOff x="0" y="0"/>
+          <a:chExt cx="0" cy="0"/>
+        </a:xfrm>
+      </p:grpSpPr>
+      <p:cxnSp>
+        <p:nvCxnSpPr>
+          <p:cNvPr id="9" name="Straight Connector 8">
+            <a:extLst>
+              <a:ext uri="{FF2B5EF4-FFF2-40B4-BE49-F238E27FC236}">
+                <a16:creationId xmlns:a16="http://schemas.microsoft.com/office/drawing/2014/main" id="{22F6364A-B358-4BEE-B158-0734D2C938D4}"/>
+              </a:ext>
+              <a:ext uri="{C183D7F6-B498-43B3-948B-1728B52AA6E4}">
+                <adec:decorative xmlns:adec="http://schemas.microsoft.com/office/drawing/2017/decorative" val="1"/>
+              </a:ext>
+            </a:extLst>
+          </p:cNvPr>
+          <p:cNvCxnSpPr>
+            <a:cxnSpLocks noGrp="1" noRot="1" noChangeAspect="1" noMove="1" noResize="1" noEditPoints="1" noAdjustHandles="1" noChangeArrowheads="1" noChangeShapeType="1"/>
+          </p:cNvCxnSpPr>
+          <p:nvPr>
+            <p:extLst>
+              <p:ext uri="{386F3935-93C4-4BCD-93E2-E3B085C9AB24}">
+                <p16:designElem xmlns:p16="http://schemas.microsoft.com/office/powerpoint/2015/main" val="1"/>
+              </p:ext>
+            </p:extLst>
+          </p:nvPr>
+        </p:nvCxnSpPr>
+        <p:spPr>
+          <a:xfrm>
+            <a:off x="3738202" y="1570814"/>
+            <a:ext cx="0" cy="3710227"/>
+          </a:xfrm>
+          <a:prstGeom prst="line">
+            <a:avLst/>
+          </a:prstGeom>
+          <a:ln w="19050">
+            <a:solidFill>
+              <a:srgbClr val="FFBA55"/>
+            </a:solidFill>
+          </a:ln>
+        </p:spPr>
+        <p:style>
+          <a:lnRef idx="1">
+            <a:schemeClr val="accent1"/>
+          </a:lnRef>
+          <a:fillRef idx="0">
+            <a:schemeClr val="accent1"/>
+          </a:fillRef>
+          <a:effectRef idx="0">
+            <a:schemeClr val="accent1"/>
+          </a:effectRef>
+          <a:fontRef idx="minor">
+            <a:schemeClr val="tx1"/>
+          </a:fontRef>
+        </p:style>
+      </p:cxnSp>
+      <p:pic>
+        <p:nvPicPr>
+          <p:cNvPr id="4" name="Picture 3">
+            <a:extLst>
+              <a:ext uri="{FF2B5EF4-FFF2-40B4-BE49-F238E27FC236}">
+                <a16:creationId xmlns:a16="http://schemas.microsoft.com/office/drawing/2014/main" id="{B390E714-9F51-4028-BBED-ABA0ACCC5037}"/>
+              </a:ext>
+            </a:extLst>
+          </p:cNvPr>
+          <p:cNvPicPr>
+            <a:picLocks noChangeAspect="1"/>
+          </p:cNvPicPr>
+          <p:nvPr/>
+        </p:nvPicPr>
+        <p:blipFill>
+          <a:blip r:embed="rId2"/>
+          <a:stretch>
+            <a:fillRect/>
+          </a:stretch>
+        </p:blipFill>
+        <p:spPr>
+          <a:xfrm>
+            <a:off x="4061860" y="1123527"/>
+            <a:ext cx="6222701" cy="4604800"/>
+          </a:xfrm>
+          <a:prstGeom prst="rect">
+            <a:avLst/>
+          </a:prstGeom>
+        </p:spPr>
+      </p:pic>
+    </p:spTree>
+    <p:extLst>
+      <p:ext uri="{BB962C8B-B14F-4D97-AF65-F5344CB8AC3E}">
+        <p14:creationId xmlns:p14="http://schemas.microsoft.com/office/powerpoint/2010/main" val="3139752182"/>
+      </p:ext>
+    </p:extLst>
+  </p:cSld>
+  <p:clrMapOvr>
+    <a:masterClrMapping/>
+  </p:clrMapOvr>
+  <p:transition spd="med"/>
+</p:sld>
+</file>
+
+<file path=ppt/slides/slide15.xml><?xml version="1.0" encoding="utf-8"?>
+<p:sld xmlns:a="http://schemas.openxmlformats.org/drawingml/2006/main" xmlns:r="http://schemas.openxmlformats.org/officeDocument/2006/relationships" xmlns:p="http://schemas.openxmlformats.org/presentationml/2006/main">
+  <p:cSld>
+    <p:bg>
+      <p:bgPr>
+        <a:solidFill>
+          <a:schemeClr val="bg1"/>
+        </a:solidFill>
+        <a:effectLst/>
+      </p:bgPr>
+    </p:bg>
+    <p:spTree>
+      <p:nvGrpSpPr>
+        <p:cNvPr id="1" name=""/>
+        <p:cNvGrpSpPr/>
+        <p:nvPr/>
+      </p:nvGrpSpPr>
+      <p:grpSpPr>
+        <a:xfrm>
+          <a:off x="0" y="0"/>
+          <a:ext cx="0" cy="0"/>
+          <a:chOff x="0" y="0"/>
+          <a:chExt cx="0" cy="0"/>
+        </a:xfrm>
+      </p:grpSpPr>
+      <p:sp>
+        <p:nvSpPr>
+          <p:cNvPr id="13" name="Flowchart: Document 8">
+            <a:extLst>
+              <a:ext uri="{FF2B5EF4-FFF2-40B4-BE49-F238E27FC236}">
+                <a16:creationId xmlns:a16="http://schemas.microsoft.com/office/drawing/2014/main" id="{D12DDE76-C203-4047-9998-63900085B5E8}"/>
+              </a:ext>
+              <a:ext uri="{C183D7F6-B498-43B3-948B-1728B52AA6E4}">
+                <adec:decorative xmlns:adec="http://schemas.microsoft.com/office/drawing/2017/decorative" val="1"/>
+              </a:ext>
+            </a:extLst>
+          </p:cNvPr>
+          <p:cNvSpPr>
+            <a:spLocks noGrp="1" noRot="1" noChangeAspect="1" noMove="1" noResize="1" noEditPoints="1" noAdjustHandles="1" noChangeArrowheads="1" noChangeShapeType="1" noTextEdit="1"/>
+          </p:cNvSpPr>
+          <p:nvPr>
+            <p:extLst>
+              <p:ext uri="{386F3935-93C4-4BCD-93E2-E3B085C9AB24}">
+                <p16:designElem xmlns:p16="http://schemas.microsoft.com/office/powerpoint/2015/main" val="1"/>
+              </p:ext>
+            </p:extLst>
+          </p:nvPr>
+        </p:nvSpPr>
+        <p:spPr>
+          <a:xfrm>
+            <a:off x="638175" y="0"/>
+            <a:ext cx="3248025" cy="3400426"/>
+          </a:xfrm>
+          <a:prstGeom prst="flowChartDocument">
+            <a:avLst/>
+          </a:prstGeom>
+          <a:solidFill>
+            <a:srgbClr val="3B3F75"/>
+          </a:solidFill>
+          <a:ln>
+            <a:noFill/>
+          </a:ln>
+        </p:spPr>
+        <p:style>
+          <a:lnRef idx="2">
+            <a:schemeClr val="accent1">
+              <a:shade val="50000"/>
+            </a:schemeClr>
+          </a:lnRef>
+          <a:fillRef idx="1">
+            <a:schemeClr val="accent1"/>
+          </a:fillRef>
+          <a:effectRef idx="0">
+            <a:schemeClr val="accent1"/>
+          </a:effectRef>
+          <a:fontRef idx="minor">
+            <a:schemeClr val="lt1"/>
+          </a:fontRef>
+        </p:style>
+        <p:txBody>
+          <a:bodyPr rtlCol="0" anchor="ctr"/>
+          <a:lstStyle/>
+          <a:p>
+            <a:pPr algn="ctr"/>
+            <a:endParaRPr lang="en-US"/>
+          </a:p>
+        </p:txBody>
+      </p:sp>
+      <p:sp>
+        <p:nvSpPr>
+          <p:cNvPr id="2" name="Title 1">
+            <a:extLst>
+              <a:ext uri="{FF2B5EF4-FFF2-40B4-BE49-F238E27FC236}">
+                <a16:creationId xmlns:a16="http://schemas.microsoft.com/office/drawing/2014/main" id="{1F1379DC-133E-404A-8FAF-54FF1E66F7A1}"/>
+              </a:ext>
+            </a:extLst>
+          </p:cNvPr>
+          <p:cNvSpPr>
+            <a:spLocks noGrp="1"/>
+          </p:cNvSpPr>
+          <p:nvPr>
+            <p:ph type="title"/>
+          </p:nvPr>
+        </p:nvSpPr>
+        <p:spPr>
+          <a:xfrm>
+            <a:off x="838200" y="171162"/>
+            <a:ext cx="2840182" cy="2371148"/>
+          </a:xfrm>
+        </p:spPr>
+        <p:txBody>
+          <a:bodyPr vert="horz" lIns="91440" tIns="45720" rIns="91440" bIns="45720" rtlCol="0" anchor="ctr">
+            <a:normAutofit/>
+          </a:bodyPr>
+          <a:lstStyle/>
+          <a:p>
+            <a:pPr>
+              <a:spcBef>
+                <a:spcPct val="0"/>
+              </a:spcBef>
+            </a:pPr>
+            <a:r>
+              <a:rPr lang="en-US" sz="3200" b="1" kern="1200">
+                <a:solidFill>
+                  <a:srgbClr val="FFFFFF"/>
+                </a:solidFill>
+                <a:latin typeface="+mj-lt"/>
+                <a:ea typeface="+mj-ea"/>
+                <a:cs typeface="+mj-cs"/>
+              </a:rPr>
+              <a:t>Flow Level Error Handling</a:t>
+            </a:r>
+          </a:p>
+        </p:txBody>
+      </p:sp>
+      <p:pic>
+        <p:nvPicPr>
+          <p:cNvPr id="4" name="Picture 3">
+            <a:extLst>
+              <a:ext uri="{FF2B5EF4-FFF2-40B4-BE49-F238E27FC236}">
+                <a16:creationId xmlns:a16="http://schemas.microsoft.com/office/drawing/2014/main" id="{104C29CE-86FE-43E6-B637-55D65EE247B7}"/>
+              </a:ext>
+            </a:extLst>
+          </p:cNvPr>
+          <p:cNvPicPr>
+            <a:picLocks noChangeAspect="1"/>
+          </p:cNvPicPr>
+          <p:nvPr/>
+        </p:nvPicPr>
+        <p:blipFill>
+          <a:blip r:embed="rId2"/>
+          <a:stretch>
+            <a:fillRect/>
+          </a:stretch>
+        </p:blipFill>
+        <p:spPr>
+          <a:xfrm>
+            <a:off x="4206289" y="1073329"/>
+            <a:ext cx="7147511" cy="5414240"/>
+          </a:xfrm>
+          <a:prstGeom prst="rect">
+            <a:avLst/>
+          </a:prstGeom>
+        </p:spPr>
+      </p:pic>
+    </p:spTree>
+    <p:extLst>
+      <p:ext uri="{BB962C8B-B14F-4D97-AF65-F5344CB8AC3E}">
+        <p14:creationId xmlns:p14="http://schemas.microsoft.com/office/powerpoint/2010/main" val="860697526"/>
+      </p:ext>
+    </p:extLst>
+  </p:cSld>
+  <p:clrMapOvr>
+    <a:masterClrMapping/>
+  </p:clrMapOvr>
+  <p:transition spd="med"/>
+</p:sld>
+</file>
+
+<file path=ppt/slides/slide16.xml><?xml version="1.0" encoding="utf-8"?>
+<p:sld xmlns:a="http://schemas.openxmlformats.org/drawingml/2006/main" xmlns:r="http://schemas.openxmlformats.org/officeDocument/2006/relationships" xmlns:p="http://schemas.openxmlformats.org/presentationml/2006/main">
+  <p:cSld>
+    <p:spTree>
+      <p:nvGrpSpPr>
+        <p:cNvPr id="1" name=""/>
+        <p:cNvGrpSpPr/>
+        <p:nvPr/>
+      </p:nvGrpSpPr>
+      <p:grpSpPr>
+        <a:xfrm>
+          <a:off x="0" y="0"/>
+          <a:ext cx="0" cy="0"/>
+          <a:chOff x="0" y="0"/>
+          <a:chExt cx="0" cy="0"/>
+        </a:xfrm>
+      </p:grpSpPr>
+    </p:spTree>
+    <p:extLst>
+      <p:ext uri="{BB962C8B-B14F-4D97-AF65-F5344CB8AC3E}">
+        <p14:creationId xmlns:p14="http://schemas.microsoft.com/office/powerpoint/2010/main" val="3796448379"/>
+      </p:ext>
+    </p:extLst>
+  </p:cSld>
+  <p:clrMapOvr>
+    <a:masterClrMapping/>
+  </p:clrMapOvr>
+  <p:transition spd="med"/>
+</p:sld>
+</file>
+
+<file path=ppt/slides/slide17.xml><?xml version="1.0" encoding="utf-8"?>
+<p:sld xmlns:a="http://schemas.openxmlformats.org/drawingml/2006/main" xmlns:r="http://schemas.openxmlformats.org/officeDocument/2006/relationships" xmlns:p="http://schemas.openxmlformats.org/presentationml/2006/main">
+  <p:cSld>
     <p:spTree>
       <p:nvGrpSpPr>
         <p:cNvPr id="1" name=""/>
@@ -21115,7 +21449,7 @@
           </a:ln>
           <a:extLst>
             <a:ext uri="{C572A759-6A51-4108-AA02-DFA0A04FC94B}">
-              <ma14:wrappingTextBoxFlag xmlns="" xmlns:m="http://schemas.openxmlformats.org/officeDocument/2006/math" xmlns:a14="http://schemas.microsoft.com/office/drawing/2010/main" xmlns:ma14="http://schemas.microsoft.com/office/mac/drawingml/2011/main" val="1"/>
+              <ma14:wrappingTextBoxFlag xmlns:ma14="http://schemas.microsoft.com/office/mac/drawingml/2011/main" xmlns:a14="http://schemas.microsoft.com/office/drawing/2010/main" xmlns:m="http://schemas.openxmlformats.org/officeDocument/2006/math" xmlns="" val="1"/>
             </a:ext>
           </a:extLst>
         </p:spPr>
@@ -21275,7 +21609,7 @@
           </a:ln>
           <a:extLst>
             <a:ext uri="{C572A759-6A51-4108-AA02-DFA0A04FC94B}">
-              <ma14:wrappingTextBoxFlag xmlns="" xmlns:m="http://schemas.openxmlformats.org/officeDocument/2006/math" xmlns:a14="http://schemas.microsoft.com/office/drawing/2010/main" xmlns:ma14="http://schemas.microsoft.com/office/mac/drawingml/2011/main" val="1"/>
+              <ma14:wrappingTextBoxFlag xmlns:ma14="http://schemas.microsoft.com/office/mac/drawingml/2011/main" xmlns:a14="http://schemas.microsoft.com/office/drawing/2010/main" xmlns:m="http://schemas.openxmlformats.org/officeDocument/2006/math" xmlns="" val="1"/>
             </a:ext>
           </a:extLst>
         </p:spPr>
@@ -21708,7 +22042,7 @@
             <a:effectLst/>
             <a:extLst>
               <a:ext uri="{C572A759-6A51-4108-AA02-DFA0A04FC94B}">
-                <ma14:wrappingTextBoxFlag xmlns="" xmlns:m="http://schemas.openxmlformats.org/officeDocument/2006/math" xmlns:a14="http://schemas.microsoft.com/office/drawing/2010/main" xmlns:ma14="http://schemas.microsoft.com/office/mac/drawingml/2011/main" val="1"/>
+                <ma14:wrappingTextBoxFlag xmlns:ma14="http://schemas.microsoft.com/office/mac/drawingml/2011/main" xmlns:a14="http://schemas.microsoft.com/office/drawing/2010/main" xmlns:m="http://schemas.openxmlformats.org/officeDocument/2006/math" xmlns="" val="1"/>
               </a:ext>
             </a:extLst>
           </p:spPr>
@@ -21843,7 +22177,7 @@
             <a:effectLst/>
             <a:extLst>
               <a:ext uri="{C572A759-6A51-4108-AA02-DFA0A04FC94B}">
-                <ma14:wrappingTextBoxFlag xmlns="" xmlns:m="http://schemas.openxmlformats.org/officeDocument/2006/math" xmlns:a14="http://schemas.microsoft.com/office/drawing/2010/main" xmlns:ma14="http://schemas.microsoft.com/office/mac/drawingml/2011/main" val="1"/>
+                <ma14:wrappingTextBoxFlag xmlns:ma14="http://schemas.microsoft.com/office/mac/drawingml/2011/main" xmlns:a14="http://schemas.microsoft.com/office/drawing/2010/main" xmlns:m="http://schemas.openxmlformats.org/officeDocument/2006/math" xmlns="" val="1"/>
               </a:ext>
             </a:extLst>
           </p:spPr>
